--- a/static/files/CompGeoWeek6Slides.pptx
+++ b/static/files/CompGeoWeek6Slides.pptx
@@ -29028,7 +29028,7 @@
         <p:spPr>
           <a:xfrm>
             <a:off x="807850" y="1948350"/>
-            <a:ext cx="6502800" cy="1277400"/>
+            <a:ext cx="6502800" cy="1446520"/>
           </a:xfrm>
           <a:prstGeom prst="rect">
             <a:avLst/>
@@ -29059,7 +29059,7 @@
               <a:buChar char="❖"/>
             </a:pPr>
             <a:r>
-              <a:rPr lang="en" sz="1200">
+              <a:rPr lang="en" sz="1200" dirty="0">
                 <a:solidFill>
                   <a:schemeClr val="dk1"/>
                 </a:solidFill>
@@ -29070,7 +29070,7 @@
               </a:rPr>
               <a:t>CSCI 716 - Week 4 Lecture Slides</a:t>
             </a:r>
-            <a:endParaRPr sz="1200">
+            <a:endParaRPr sz="1200" dirty="0">
               <a:solidFill>
                 <a:schemeClr val="dk1"/>
               </a:solidFill>
@@ -29090,7 +29090,7 @@
               </a:spcAft>
               <a:buNone/>
             </a:pPr>
-            <a:endParaRPr sz="1200">
+            <a:endParaRPr sz="1200" dirty="0">
               <a:solidFill>
                 <a:schemeClr val="dk1"/>
               </a:solidFill>
@@ -29116,7 +29116,7 @@
               <a:buChar char="❖"/>
             </a:pPr>
             <a:r>
-              <a:rPr lang="en" sz="1200">
+              <a:rPr lang="en" sz="1200" dirty="0">
                 <a:solidFill>
                   <a:schemeClr val="hlink"/>
                 </a:solidFill>
@@ -29132,7 +29132,7 @@
               <a:t>Line Segment Intersection Blogpost</a:t>
             </a:r>
             <a:r>
-              <a:rPr lang="en" sz="1200">
+              <a:rPr lang="en" sz="1200" dirty="0">
                 <a:solidFill>
                   <a:schemeClr val="hlink"/>
                 </a:solidFill>
@@ -29143,7 +29143,7 @@
               </a:rPr>
               <a:t> </a:t>
             </a:r>
-            <a:endParaRPr sz="1200">
+            <a:endParaRPr sz="1200" dirty="0">
               <a:solidFill>
                 <a:schemeClr val="hlink"/>
               </a:solidFill>
@@ -29163,7 +29163,7 @@
               </a:spcAft>
               <a:buNone/>
             </a:pPr>
-            <a:endParaRPr sz="1100" u="sng">
+            <a:endParaRPr sz="1100" u="sng" dirty="0">
               <a:solidFill>
                 <a:schemeClr val="hlink"/>
               </a:solidFill>
@@ -29185,7 +29185,7 @@
               <a:buChar char="❖"/>
             </a:pPr>
             <a:r>
-              <a:rPr lang="en" sz="1200">
+              <a:rPr lang="en" sz="1200" dirty="0">
                 <a:solidFill>
                   <a:schemeClr val="hlink"/>
                 </a:solidFill>
@@ -29201,7 +29201,7 @@
               <a:t>Line Intersection problem - Philipp Kindermann (YouTube)</a:t>
             </a:r>
             <a:r>
-              <a:rPr lang="en" sz="1200">
+              <a:rPr lang="en" sz="1200" dirty="0">
                 <a:solidFill>
                   <a:schemeClr val="hlink"/>
                 </a:solidFill>
@@ -29212,7 +29212,7 @@
               </a:rPr>
               <a:t> </a:t>
             </a:r>
-            <a:endParaRPr sz="1200">
+            <a:endParaRPr lang="en" sz="1100" u="sng" dirty="0">
               <a:solidFill>
                 <a:schemeClr val="hlink"/>
               </a:solidFill>
@@ -29223,19 +29223,78 @@
             </a:endParaRPr>
           </a:p>
           <a:p>
-            <a:pPr marL="0" lvl="0" indent="0" algn="l" rtl="0">
-              <a:spcBef>
-                <a:spcPts val="0"/>
-              </a:spcBef>
-              <a:spcAft>
-                <a:spcPts val="0"/>
-              </a:spcAft>
-              <a:buNone/>
+            <a:pPr marL="457200" lvl="0" indent="-304800" algn="l" rtl="0">
+              <a:spcBef>
+                <a:spcPts val="0"/>
+              </a:spcBef>
+              <a:spcAft>
+                <a:spcPts val="0"/>
+              </a:spcAft>
+              <a:buClr>
+                <a:schemeClr val="hlink"/>
+              </a:buClr>
+              <a:buSzPts val="1200"/>
+              <a:buFont typeface="Raleway"/>
+              <a:buChar char="❖"/>
             </a:pPr>
-            <a:endParaRPr sz="1100" u="sng">
+            <a:endParaRPr lang="en" sz="1100" u="sng" dirty="0">
               <a:solidFill>
                 <a:schemeClr val="hlink"/>
               </a:solidFill>
+              <a:latin typeface="Raleway"/>
+              <a:ea typeface="Raleway"/>
+              <a:cs typeface="Raleway"/>
+              <a:sym typeface="Raleway"/>
+            </a:endParaRPr>
+          </a:p>
+          <a:p>
+            <a:pPr marL="457200" lvl="0" indent="-304800" algn="l" rtl="0">
+              <a:spcBef>
+                <a:spcPts val="0"/>
+              </a:spcBef>
+              <a:spcAft>
+                <a:spcPts val="0"/>
+              </a:spcAft>
+              <a:buClr>
+                <a:schemeClr val="hlink"/>
+              </a:buClr>
+              <a:buSzPts val="1200"/>
+              <a:buFont typeface="Raleway"/>
+              <a:buChar char="❖"/>
+            </a:pPr>
+            <a:r>
+              <a:rPr lang="en" sz="1100" dirty="0">
+                <a:solidFill>
+                  <a:schemeClr val="hlink"/>
+                </a:solidFill>
+                <a:latin typeface="Raleway"/>
+                <a:ea typeface="Raleway"/>
+                <a:cs typeface="Raleway"/>
+                <a:sym typeface="Raleway"/>
+              </a:rPr>
+              <a:t>Project Link - </a:t>
+            </a:r>
+            <a:r>
+              <a:rPr lang="en-US" sz="1100" dirty="0">
+                <a:solidFill>
+                  <a:schemeClr val="hlink"/>
+                </a:solidFill>
+                <a:latin typeface="Raleway"/>
+                <a:ea typeface="Raleway"/>
+                <a:cs typeface="Raleway"/>
+                <a:sym typeface="Raleway"/>
+                <a:hlinkClick r:id="rId6"/>
+              </a:rPr>
+              <a:t>https://anuj67851.github.io/CompGeoProject/</a:t>
+            </a:r>
+            <a:endParaRPr sz="1200" dirty="0">
+              <a:solidFill>
+                <a:schemeClr val="hlink"/>
+              </a:solidFill>
+              <a:latin typeface="Raleway"/>
+              <a:ea typeface="Raleway"/>
+              <a:cs typeface="Raleway"/>
+              <a:sym typeface="Raleway"/>
             </a:endParaRPr>
           </a:p>
         </p:txBody>
